--- a/Project 4_Group_5_Stock_Analysis.pptx
+++ b/Project 4_Group_5_Stock_Analysis.pptx
@@ -6221,8 +6221,8 @@
               <a:spcAft>
                 <a:spcPts val="0"/>
               </a:spcAft>
-              <a:buFont typeface="+mj-lt"/>
-              <a:buAutoNum type="arabicPeriod"/>
+              <a:buFont typeface="Wingdings" panose="05000000000000000000" pitchFamily="2" charset="2"/>
+              <a:buChar char="§"/>
             </a:pPr>
             <a:r>
               <a:rPr lang="en-US" sz="2000" b="0" i="0" u="none" strike="noStrike" dirty="0">
@@ -6237,17 +6237,75 @@
             </a:r>
           </a:p>
           <a:p>
-            <a:pPr rtl="0" fontAlgn="base">
+            <a:pPr fontAlgn="base">
+              <a:spcBef>
+                <a:spcPts val="0"/>
+              </a:spcBef>
+              <a:buFont typeface="Wingdings" panose="05000000000000000000" pitchFamily="2" charset="2"/>
+              <a:buChar char="§"/>
+            </a:pPr>
+            <a:r>
+              <a:rPr lang="en-US" sz="2000" dirty="0">
+                <a:solidFill>
+                  <a:srgbClr val="000000"/>
+                </a:solidFill>
+                <a:latin typeface="Arial" panose="020B0604020202020204" pitchFamily="34" charset="0"/>
+                <a:cs typeface="Arial" panose="020B0604020202020204" pitchFamily="34" charset="0"/>
+              </a:rPr>
+              <a:t>Import data into </a:t>
+            </a:r>
+            <a:r>
+              <a:rPr lang="en-US" sz="2000" dirty="0" err="1">
+                <a:solidFill>
+                  <a:srgbClr val="000000"/>
+                </a:solidFill>
+                <a:latin typeface="Arial" panose="020B0604020202020204" pitchFamily="34" charset="0"/>
+                <a:cs typeface="Arial" panose="020B0604020202020204" pitchFamily="34" charset="0"/>
+              </a:rPr>
+              <a:t>postgreSQL</a:t>
+            </a:r>
+            <a:r>
+              <a:rPr lang="en-US" sz="2000" dirty="0">
+                <a:solidFill>
+                  <a:srgbClr val="000000"/>
+                </a:solidFill>
+                <a:latin typeface="Arial" panose="020B0604020202020204" pitchFamily="34" charset="0"/>
+                <a:cs typeface="Arial" panose="020B0604020202020204" pitchFamily="34" charset="0"/>
+              </a:rPr>
+              <a:t> (optional?)</a:t>
+            </a:r>
+          </a:p>
+          <a:p>
+            <a:pPr fontAlgn="base">
               <a:spcBef>
                 <a:spcPts val="0"/>
               </a:spcBef>
               <a:spcAft>
                 <a:spcPts val="0"/>
               </a:spcAft>
-              <a:buFont typeface="+mj-lt"/>
-              <a:buAutoNum type="arabicPeriod"/>
+              <a:buFont typeface="Wingdings" panose="05000000000000000000" pitchFamily="2" charset="2"/>
+              <a:buChar char="§"/>
             </a:pPr>
             <a:r>
+              <a:rPr lang="en-US" sz="2000" dirty="0">
+                <a:solidFill>
+                  <a:srgbClr val="000000"/>
+                </a:solidFill>
+                <a:latin typeface="Arial" panose="020B0604020202020204" pitchFamily="34" charset="0"/>
+                <a:cs typeface="Arial" panose="020B0604020202020204" pitchFamily="34" charset="0"/>
+              </a:rPr>
+              <a:t>Create an unsupervised classification model. </a:t>
+            </a:r>
+          </a:p>
+          <a:p>
+            <a:pPr lvl="1" fontAlgn="base">
+              <a:spcBef>
+                <a:spcPts val="0"/>
+              </a:spcBef>
+              <a:buFont typeface="Wingdings" panose="05000000000000000000" pitchFamily="2" charset="2"/>
+              <a:buChar char="§"/>
+            </a:pPr>
+            <a:r>
               <a:rPr lang="en-US" sz="2000" b="0" i="0" u="none" strike="noStrike" dirty="0">
                 <a:solidFill>
                   <a:srgbClr val="000000"/>
@@ -6256,10 +6314,19 @@
                 <a:latin typeface="Arial" panose="020B0604020202020204" pitchFamily="34" charset="0"/>
                 <a:cs typeface="Arial" panose="020B0604020202020204" pitchFamily="34" charset="0"/>
               </a:rPr>
-              <a:t>Import data into </a:t>
-            </a:r>
-            <a:r>
-              <a:rPr lang="en-US" sz="2000" b="0" i="0" u="none" strike="noStrike" dirty="0" err="1">
+              <a:t>Make a prediction price.</a:t>
+            </a:r>
+          </a:p>
+          <a:p>
+            <a:pPr lvl="2" fontAlgn="base">
+              <a:spcBef>
+                <a:spcPts val="0"/>
+              </a:spcBef>
+              <a:buFont typeface="Wingdings" panose="05000000000000000000" pitchFamily="2" charset="2"/>
+              <a:buChar char="§"/>
+            </a:pPr>
+            <a:r>
+              <a:rPr lang="en-US" b="0" i="0" u="none" strike="noStrike" dirty="0">
                 <a:solidFill>
                   <a:srgbClr val="000000"/>
                 </a:solidFill>
@@ -6267,8 +6334,17 @@
                 <a:latin typeface="Arial" panose="020B0604020202020204" pitchFamily="34" charset="0"/>
                 <a:cs typeface="Arial" panose="020B0604020202020204" pitchFamily="34" charset="0"/>
               </a:rPr>
-              <a:t>postgreSQL</a:t>
-            </a:r>
+              <a:t>According to article:</a:t>
+            </a:r>
+          </a:p>
+          <a:p>
+            <a:pPr lvl="3" fontAlgn="base">
+              <a:spcBef>
+                <a:spcPts val="0"/>
+              </a:spcBef>
+              <a:buFont typeface="Wingdings" panose="05000000000000000000" pitchFamily="2" charset="2"/>
+              <a:buChar char="§"/>
+            </a:pPr>
             <a:r>
               <a:rPr lang="en-US" sz="2000" b="0" i="0" u="none" strike="noStrike" dirty="0">
                 <a:solidFill>
@@ -6278,22 +6354,22 @@
                 <a:latin typeface="Arial" panose="020B0604020202020204" pitchFamily="34" charset="0"/>
                 <a:cs typeface="Arial" panose="020B0604020202020204" pitchFamily="34" charset="0"/>
               </a:rPr>
-              <a:t> (optional?)</a:t>
-            </a:r>
-          </a:p>
-          <a:p>
-            <a:pPr rtl="0" fontAlgn="base">
+              <a:t>Predicted closing prices subject to Root Mean Square Error (RMSE), Mean Absolute Percentage Error (MAPE) and Mean Bias Error (MBE). In other words, look for the lowest errors between models. We’re only using one model (neural network).</a:t>
+            </a:r>
+          </a:p>
+          <a:p>
+            <a:pPr lvl="2" rtl="0" fontAlgn="base">
               <a:spcBef>
                 <a:spcPts val="0"/>
               </a:spcBef>
               <a:spcAft>
                 <a:spcPts val="0"/>
               </a:spcAft>
-              <a:buFont typeface="+mj-lt"/>
-              <a:buAutoNum type="arabicPeriod"/>
+              <a:buFont typeface="Wingdings" panose="05000000000000000000" pitchFamily="2" charset="2"/>
+              <a:buChar char="§"/>
             </a:pPr>
             <a:r>
-              <a:rPr lang="en-US" sz="2000" i="0" u="none" strike="noStrike" dirty="0">
+              <a:rPr lang="en-US" b="0" i="0" u="none" strike="noStrike" dirty="0">
                 <a:solidFill>
                   <a:srgbClr val="000000"/>
                 </a:solidFill>
@@ -6301,38 +6377,19 @@
                 <a:latin typeface="Arial" panose="020B0604020202020204" pitchFamily="34" charset="0"/>
                 <a:cs typeface="Arial" panose="020B0604020202020204" pitchFamily="34" charset="0"/>
               </a:rPr>
-              <a:t>Create an unsupervised classification model</a:t>
-            </a:r>
-            <a:r>
-              <a:rPr lang="en-US" sz="2000" b="1" i="0" u="none" strike="noStrike" dirty="0">
-                <a:solidFill>
-                  <a:srgbClr val="000000"/>
-                </a:solidFill>
-                <a:effectLst/>
-                <a:latin typeface="Arial" panose="020B0604020202020204" pitchFamily="34" charset="0"/>
-                <a:cs typeface="Arial" panose="020B0604020202020204" pitchFamily="34" charset="0"/>
-              </a:rPr>
-              <a:t>. </a:t>
-            </a:r>
-            <a:endParaRPr lang="en-US" sz="2000" b="0" i="0" u="none" strike="noStrike" dirty="0">
-              <a:solidFill>
-                <a:srgbClr val="000000"/>
-              </a:solidFill>
-              <a:effectLst/>
-              <a:latin typeface="Arial" panose="020B0604020202020204" pitchFamily="34" charset="0"/>
-              <a:cs typeface="Arial" panose="020B0604020202020204" pitchFamily="34" charset="0"/>
-            </a:endParaRPr>
-          </a:p>
-          <a:p>
-            <a:pPr marL="742950" lvl="1" indent="-285750" rtl="0" fontAlgn="base">
+              <a:t>Output layer should give the predicted closing price of the stock.</a:t>
+            </a:r>
+          </a:p>
+          <a:p>
+            <a:pPr lvl="1" rtl="0" fontAlgn="base">
               <a:spcBef>
                 <a:spcPts val="0"/>
               </a:spcBef>
               <a:spcAft>
                 <a:spcPts val="0"/>
               </a:spcAft>
-              <a:buFont typeface="+mj-lt"/>
-              <a:buAutoNum type="arabicPeriod"/>
+              <a:buFont typeface="Wingdings" panose="05000000000000000000" pitchFamily="2" charset="2"/>
+              <a:buChar char="§"/>
             </a:pPr>
             <a:r>
               <a:rPr lang="en-US" sz="2000" b="0" i="0" u="none" strike="noStrike" dirty="0">
@@ -6343,42 +6400,160 @@
                 <a:latin typeface="Arial" panose="020B0604020202020204" pitchFamily="34" charset="0"/>
                 <a:cs typeface="Arial" panose="020B0604020202020204" pitchFamily="34" charset="0"/>
               </a:rPr>
-              <a:t>Make a prediction price.</a:t>
-            </a:r>
-          </a:p>
-          <a:p>
-            <a:pPr marL="1143000" lvl="2" indent="-228600" rtl="0" fontAlgn="base">
+              <a:t>Classify as Buy, Sell, and Keep?</a:t>
+            </a:r>
+          </a:p>
+          <a:p>
+            <a:pPr lvl="1" fontAlgn="base">
+              <a:spcBef>
+                <a:spcPts val="0"/>
+              </a:spcBef>
+              <a:buFont typeface="Wingdings" panose="05000000000000000000" pitchFamily="2" charset="2"/>
+              <a:buChar char="§"/>
+            </a:pPr>
+            <a:r>
+              <a:rPr lang="en-US" sz="2000" b="0" i="0" u="none" strike="noStrike" dirty="0">
+                <a:solidFill>
+                  <a:srgbClr val="000000"/>
+                </a:solidFill>
+                <a:effectLst/>
+                <a:latin typeface="Arial" panose="020B0604020202020204" pitchFamily="34" charset="0"/>
+                <a:cs typeface="Arial" panose="020B0604020202020204" pitchFamily="34" charset="0"/>
+              </a:rPr>
+              <a:t>Update with new data?</a:t>
+            </a:r>
+          </a:p>
+          <a:p>
+            <a:pPr fontAlgn="base">
+              <a:spcBef>
+                <a:spcPts val="0"/>
+              </a:spcBef>
+              <a:buFont typeface="Wingdings" panose="05000000000000000000" pitchFamily="2" charset="2"/>
+              <a:buChar char="§"/>
+            </a:pPr>
+            <a:r>
+              <a:rPr lang="en-US" sz="2000" dirty="0">
+                <a:solidFill>
+                  <a:srgbClr val="000000"/>
+                </a:solidFill>
+                <a:latin typeface="Arial" panose="020B0604020202020204" pitchFamily="34" charset="0"/>
+                <a:cs typeface="Arial" panose="020B0604020202020204" pitchFamily="34" charset="0"/>
+              </a:rPr>
+              <a:t>Visualize results and refine</a:t>
+            </a:r>
+          </a:p>
+          <a:p>
+            <a:pPr fontAlgn="base">
+              <a:spcBef>
+                <a:spcPts val="0"/>
+              </a:spcBef>
+              <a:buFont typeface="Wingdings" panose="05000000000000000000" pitchFamily="2" charset="2"/>
+              <a:buChar char="§"/>
+            </a:pPr>
+            <a:r>
+              <a:rPr lang="en-US" sz="2000" dirty="0">
+                <a:solidFill>
+                  <a:srgbClr val="000000"/>
+                </a:solidFill>
+                <a:latin typeface="Arial" panose="020B0604020202020204" pitchFamily="34" charset="0"/>
+                <a:cs typeface="Arial" panose="020B0604020202020204" pitchFamily="34" charset="0"/>
+              </a:rPr>
+              <a:t>Make predictions using current stock data</a:t>
+            </a:r>
+          </a:p>
+          <a:p>
+            <a:pPr lvl="1" fontAlgn="base">
+              <a:spcBef>
+                <a:spcPts val="0"/>
+              </a:spcBef>
+              <a:buFont typeface="Wingdings" panose="05000000000000000000" pitchFamily="2" charset="2"/>
+              <a:buChar char="§"/>
+            </a:pPr>
+            <a:r>
+              <a:rPr lang="en-US" sz="2000" b="0" i="0" u="none" strike="noStrike" dirty="0">
+                <a:solidFill>
+                  <a:srgbClr val="000000"/>
+                </a:solidFill>
+                <a:effectLst/>
+                <a:latin typeface="Arial" panose="020B0604020202020204" pitchFamily="34" charset="0"/>
+                <a:cs typeface="Arial" panose="020B0604020202020204" pitchFamily="34" charset="0"/>
+              </a:rPr>
+              <a:t>Connect model to a stock API (</a:t>
+            </a:r>
+            <a:r>
+              <a:rPr lang="en-US" sz="2000" b="0" i="0" u="none" strike="noStrike" dirty="0" err="1">
+                <a:solidFill>
+                  <a:srgbClr val="000000"/>
+                </a:solidFill>
+                <a:effectLst/>
+                <a:latin typeface="Arial" panose="020B0604020202020204" pitchFamily="34" charset="0"/>
+                <a:cs typeface="Arial" panose="020B0604020202020204" pitchFamily="34" charset="0"/>
+              </a:rPr>
+              <a:t>marketstack</a:t>
+            </a:r>
+            <a:r>
+              <a:rPr lang="en-US" sz="2000" b="0" i="0" u="none" strike="noStrike" dirty="0">
+                <a:solidFill>
+                  <a:srgbClr val="000000"/>
+                </a:solidFill>
+                <a:effectLst/>
+                <a:latin typeface="Arial" panose="020B0604020202020204" pitchFamily="34" charset="0"/>
+                <a:cs typeface="Arial" panose="020B0604020202020204" pitchFamily="34" charset="0"/>
+              </a:rPr>
+              <a:t>, polygon.io, </a:t>
+            </a:r>
+            <a:r>
+              <a:rPr lang="en-US" sz="2000" b="0" i="0" u="none" strike="noStrike" dirty="0" err="1">
+                <a:solidFill>
+                  <a:srgbClr val="000000"/>
+                </a:solidFill>
+                <a:effectLst/>
+                <a:latin typeface="Arial" panose="020B0604020202020204" pitchFamily="34" charset="0"/>
+                <a:cs typeface="Arial" panose="020B0604020202020204" pitchFamily="34" charset="0"/>
+              </a:rPr>
+              <a:t>alphavantage</a:t>
+            </a:r>
+            <a:r>
+              <a:rPr lang="en-US" sz="2000" b="0" i="0" u="none" strike="noStrike" dirty="0">
+                <a:solidFill>
+                  <a:srgbClr val="000000"/>
+                </a:solidFill>
+                <a:effectLst/>
+                <a:latin typeface="Arial" panose="020B0604020202020204" pitchFamily="34" charset="0"/>
+                <a:cs typeface="Arial" panose="020B0604020202020204" pitchFamily="34" charset="0"/>
+              </a:rPr>
+              <a:t>)</a:t>
+            </a:r>
+          </a:p>
+          <a:p>
+            <a:pPr fontAlgn="base">
               <a:spcBef>
                 <a:spcPts val="0"/>
               </a:spcBef>
               <a:spcAft>
                 <a:spcPts val="0"/>
               </a:spcAft>
-              <a:buFont typeface="+mj-lt"/>
-              <a:buAutoNum type="arabicPeriod"/>
+              <a:buFont typeface="Wingdings" panose="05000000000000000000" pitchFamily="2" charset="2"/>
+              <a:buChar char="§"/>
             </a:pPr>
             <a:r>
-              <a:rPr lang="en-US" b="0" i="0" u="none" strike="noStrike" dirty="0">
+              <a:rPr lang="en-US" sz="2000" dirty="0">
                 <a:solidFill>
                   <a:srgbClr val="000000"/>
                 </a:solidFill>
-                <a:effectLst/>
                 <a:latin typeface="Arial" panose="020B0604020202020204" pitchFamily="34" charset="0"/>
                 <a:cs typeface="Arial" panose="020B0604020202020204" pitchFamily="34" charset="0"/>
               </a:rPr>
-              <a:t>According to article:</a:t>
-            </a:r>
-          </a:p>
-          <a:p>
-            <a:pPr marL="1600200" lvl="3" indent="-228600" rtl="0" fontAlgn="base">
+              <a:t>Visualize using Tableau </a:t>
+            </a:r>
+          </a:p>
+          <a:p>
+            <a:pPr lvl="1" fontAlgn="base">
               <a:spcBef>
                 <a:spcPts val="0"/>
               </a:spcBef>
-              <a:spcAft>
-                <a:spcPts val="0"/>
-              </a:spcAft>
-              <a:buFont typeface="+mj-lt"/>
-              <a:buAutoNum type="arabicPeriod"/>
+              <a:buFont typeface="Wingdings" panose="05000000000000000000" pitchFamily="2" charset="2"/>
+              <a:buChar char="§"/>
             </a:pPr>
             <a:r>
               <a:rPr lang="en-US" sz="2000" b="0" i="0" u="none" strike="noStrike" dirty="0">
@@ -6389,22 +6564,19 @@
                 <a:latin typeface="Arial" panose="020B0604020202020204" pitchFamily="34" charset="0"/>
                 <a:cs typeface="Arial" panose="020B0604020202020204" pitchFamily="34" charset="0"/>
               </a:rPr>
-              <a:t>Predicted closing prices subject to Root Mean Square Error (RMSE), Mean Absolute Percentage Error (MAPE) and Mean Bias Error (MBE). In other words, look for the lowest errors between models. We’re only using one model (neural network).</a:t>
-            </a:r>
-          </a:p>
-          <a:p>
-            <a:pPr marL="1143000" lvl="2" indent="-228600" rtl="0" fontAlgn="base">
+              <a:t>Overlay prediction with actual data</a:t>
+            </a:r>
+          </a:p>
+          <a:p>
+            <a:pPr lvl="1" fontAlgn="base">
               <a:spcBef>
                 <a:spcPts val="0"/>
               </a:spcBef>
-              <a:spcAft>
-                <a:spcPts val="0"/>
-              </a:spcAft>
-              <a:buFont typeface="+mj-lt"/>
-              <a:buAutoNum type="arabicPeriod"/>
+              <a:buFont typeface="Wingdings" panose="05000000000000000000" pitchFamily="2" charset="2"/>
+              <a:buChar char="§"/>
             </a:pPr>
             <a:r>
-              <a:rPr lang="en-US" b="0" i="0" u="none" strike="noStrike" dirty="0">
+              <a:rPr lang="en-US" sz="2000" b="0" i="0" u="none" strike="noStrike" dirty="0">
                 <a:solidFill>
                   <a:srgbClr val="000000"/>
                 </a:solidFill>
@@ -6412,247 +6584,16 @@
                 <a:latin typeface="Arial" panose="020B0604020202020204" pitchFamily="34" charset="0"/>
                 <a:cs typeface="Arial" panose="020B0604020202020204" pitchFamily="34" charset="0"/>
               </a:rPr>
-              <a:t>Output layer should give the predicted closing price of the stock.</a:t>
-            </a:r>
-          </a:p>
-          <a:p>
-            <a:pPr marL="742950" lvl="1" indent="-285750" rtl="0" fontAlgn="base">
+              <a:t>7-days prediction</a:t>
+            </a:r>
+          </a:p>
+          <a:p>
+            <a:pPr lvl="1" fontAlgn="base">
               <a:spcBef>
                 <a:spcPts val="0"/>
               </a:spcBef>
-              <a:spcAft>
-                <a:spcPts val="0"/>
-              </a:spcAft>
-              <a:buFont typeface="+mj-lt"/>
-              <a:buAutoNum type="arabicPeriod"/>
-            </a:pPr>
-            <a:r>
-              <a:rPr lang="en-US" sz="2000" b="0" i="0" u="none" strike="noStrike" dirty="0">
-                <a:solidFill>
-                  <a:srgbClr val="000000"/>
-                </a:solidFill>
-                <a:effectLst/>
-                <a:latin typeface="Arial" panose="020B0604020202020204" pitchFamily="34" charset="0"/>
-                <a:cs typeface="Arial" panose="020B0604020202020204" pitchFamily="34" charset="0"/>
-              </a:rPr>
-              <a:t>Classify as Buy, Sell, and Keep?</a:t>
-            </a:r>
-          </a:p>
-          <a:p>
-            <a:pPr marL="742950" lvl="1" indent="-285750" rtl="0" fontAlgn="base">
-              <a:spcBef>
-                <a:spcPts val="0"/>
-              </a:spcBef>
-              <a:spcAft>
-                <a:spcPts val="0"/>
-              </a:spcAft>
-              <a:buFont typeface="+mj-lt"/>
-              <a:buAutoNum type="arabicPeriod"/>
-            </a:pPr>
-            <a:r>
-              <a:rPr lang="en-US" sz="2000" b="0" i="0" u="none" strike="noStrike" dirty="0">
-                <a:solidFill>
-                  <a:srgbClr val="000000"/>
-                </a:solidFill>
-                <a:effectLst/>
-                <a:latin typeface="Arial" panose="020B0604020202020204" pitchFamily="34" charset="0"/>
-                <a:cs typeface="Arial" panose="020B0604020202020204" pitchFamily="34" charset="0"/>
-              </a:rPr>
-              <a:t>Update with new data?</a:t>
-            </a:r>
-          </a:p>
-          <a:p>
-            <a:pPr rtl="0" fontAlgn="base">
-              <a:spcBef>
-                <a:spcPts val="0"/>
-              </a:spcBef>
-              <a:spcAft>
-                <a:spcPts val="0"/>
-              </a:spcAft>
-              <a:buFont typeface="+mj-lt"/>
-              <a:buAutoNum type="arabicPeriod"/>
-            </a:pPr>
-            <a:r>
-              <a:rPr lang="en-US" sz="2000" i="0" u="none" strike="noStrike" dirty="0">
-                <a:solidFill>
-                  <a:srgbClr val="000000"/>
-                </a:solidFill>
-                <a:effectLst/>
-                <a:latin typeface="Arial" panose="020B0604020202020204" pitchFamily="34" charset="0"/>
-                <a:cs typeface="Arial" panose="020B0604020202020204" pitchFamily="34" charset="0"/>
-              </a:rPr>
-              <a:t>Visualize results and refine</a:t>
-            </a:r>
-          </a:p>
-          <a:p>
-            <a:pPr rtl="0" fontAlgn="base">
-              <a:spcBef>
-                <a:spcPts val="0"/>
-              </a:spcBef>
-              <a:spcAft>
-                <a:spcPts val="0"/>
-              </a:spcAft>
-              <a:buFont typeface="+mj-lt"/>
-              <a:buAutoNum type="arabicPeriod"/>
-            </a:pPr>
-            <a:r>
-              <a:rPr lang="en-US" sz="2000" i="0" u="none" strike="noStrike" dirty="0">
-                <a:solidFill>
-                  <a:srgbClr val="000000"/>
-                </a:solidFill>
-                <a:effectLst/>
-                <a:latin typeface="Arial" panose="020B0604020202020204" pitchFamily="34" charset="0"/>
-                <a:cs typeface="Arial" panose="020B0604020202020204" pitchFamily="34" charset="0"/>
-              </a:rPr>
-              <a:t>Make predictions using current stock data</a:t>
-            </a:r>
-          </a:p>
-          <a:p>
-            <a:pPr marL="742950" lvl="1" indent="-285750" rtl="0" fontAlgn="base">
-              <a:spcBef>
-                <a:spcPts val="0"/>
-              </a:spcBef>
-              <a:spcAft>
-                <a:spcPts val="0"/>
-              </a:spcAft>
-              <a:buFont typeface="+mj-lt"/>
-              <a:buAutoNum type="arabicPeriod"/>
-            </a:pPr>
-            <a:r>
-              <a:rPr lang="en-US" sz="2000" b="0" i="0" u="none" strike="noStrike" dirty="0">
-                <a:solidFill>
-                  <a:srgbClr val="000000"/>
-                </a:solidFill>
-                <a:effectLst/>
-                <a:latin typeface="Arial" panose="020B0604020202020204" pitchFamily="34" charset="0"/>
-                <a:cs typeface="Arial" panose="020B0604020202020204" pitchFamily="34" charset="0"/>
-              </a:rPr>
-              <a:t>Connect model to a stock API (</a:t>
-            </a:r>
-            <a:r>
-              <a:rPr lang="en-US" sz="2000" b="0" i="0" u="none" strike="noStrike" dirty="0" err="1">
-                <a:solidFill>
-                  <a:srgbClr val="000000"/>
-                </a:solidFill>
-                <a:effectLst/>
-                <a:latin typeface="Arial" panose="020B0604020202020204" pitchFamily="34" charset="0"/>
-                <a:cs typeface="Arial" panose="020B0604020202020204" pitchFamily="34" charset="0"/>
-              </a:rPr>
-              <a:t>marketstack</a:t>
-            </a:r>
-            <a:r>
-              <a:rPr lang="en-US" sz="2000" b="0" i="0" u="none" strike="noStrike" dirty="0">
-                <a:solidFill>
-                  <a:srgbClr val="000000"/>
-                </a:solidFill>
-                <a:effectLst/>
-                <a:latin typeface="Arial" panose="020B0604020202020204" pitchFamily="34" charset="0"/>
-                <a:cs typeface="Arial" panose="020B0604020202020204" pitchFamily="34" charset="0"/>
-              </a:rPr>
-              <a:t>, polygon.io, </a:t>
-            </a:r>
-            <a:r>
-              <a:rPr lang="en-US" sz="2000" b="0" i="0" u="none" strike="noStrike" dirty="0" err="1">
-                <a:solidFill>
-                  <a:srgbClr val="000000"/>
-                </a:solidFill>
-                <a:effectLst/>
-                <a:latin typeface="Arial" panose="020B0604020202020204" pitchFamily="34" charset="0"/>
-                <a:cs typeface="Arial" panose="020B0604020202020204" pitchFamily="34" charset="0"/>
-              </a:rPr>
-              <a:t>alphavantage</a:t>
-            </a:r>
-            <a:r>
-              <a:rPr lang="en-US" sz="2000" b="0" i="0" u="none" strike="noStrike" dirty="0">
-                <a:solidFill>
-                  <a:srgbClr val="000000"/>
-                </a:solidFill>
-                <a:effectLst/>
-                <a:latin typeface="Arial" panose="020B0604020202020204" pitchFamily="34" charset="0"/>
-                <a:cs typeface="Arial" panose="020B0604020202020204" pitchFamily="34" charset="0"/>
-              </a:rPr>
-              <a:t>)</a:t>
-            </a:r>
-          </a:p>
-          <a:p>
-            <a:pPr rtl="0" fontAlgn="base">
-              <a:spcBef>
-                <a:spcPts val="0"/>
-              </a:spcBef>
-              <a:spcAft>
-                <a:spcPts val="0"/>
-              </a:spcAft>
-              <a:buFont typeface="+mj-lt"/>
-              <a:buAutoNum type="arabicPeriod"/>
-            </a:pPr>
-            <a:r>
-              <a:rPr lang="en-US" sz="2000" i="0" u="none" strike="noStrike" dirty="0">
-                <a:solidFill>
-                  <a:srgbClr val="000000"/>
-                </a:solidFill>
-                <a:effectLst/>
-                <a:latin typeface="Arial" panose="020B0604020202020204" pitchFamily="34" charset="0"/>
-                <a:cs typeface="Arial" panose="020B0604020202020204" pitchFamily="34" charset="0"/>
-              </a:rPr>
-              <a:t>Visualize using Tableau </a:t>
-            </a:r>
-          </a:p>
-          <a:p>
-            <a:pPr marL="742950" lvl="1" indent="-285750" rtl="0" fontAlgn="base">
-              <a:spcBef>
-                <a:spcPts val="0"/>
-              </a:spcBef>
-              <a:spcAft>
-                <a:spcPts val="0"/>
-              </a:spcAft>
-              <a:buFont typeface="+mj-lt"/>
-              <a:buAutoNum type="arabicPeriod"/>
-            </a:pPr>
-            <a:r>
-              <a:rPr lang="en-US" sz="2000" b="0" i="0" u="none" strike="noStrike" dirty="0">
-                <a:solidFill>
-                  <a:srgbClr val="000000"/>
-                </a:solidFill>
-                <a:effectLst/>
-                <a:latin typeface="Arial" panose="020B0604020202020204" pitchFamily="34" charset="0"/>
-                <a:cs typeface="Arial" panose="020B0604020202020204" pitchFamily="34" charset="0"/>
-              </a:rPr>
-              <a:t>Overlay prediction with actual data</a:t>
-            </a:r>
-          </a:p>
-          <a:p>
-            <a:pPr marL="742950" lvl="1" indent="-285750" rtl="0" fontAlgn="base">
-              <a:spcBef>
-                <a:spcPts val="0"/>
-              </a:spcBef>
-              <a:spcAft>
-                <a:spcPts val="0"/>
-              </a:spcAft>
-              <a:buFont typeface="+mj-lt"/>
-              <a:buAutoNum type="arabicPeriod"/>
-            </a:pPr>
-            <a:r>
-              <a:rPr lang="en-US" sz="2000" b="0" i="0" u="none" strike="noStrike" dirty="0">
-                <a:solidFill>
-                  <a:srgbClr val="000000"/>
-                </a:solidFill>
-                <a:effectLst/>
-                <a:latin typeface="Arial" panose="020B0604020202020204" pitchFamily="34" charset="0"/>
-                <a:cs typeface="Arial" panose="020B0604020202020204" pitchFamily="34" charset="0"/>
-              </a:rPr>
-              <a:t>7-days prediction</a:t>
-            </a:r>
-          </a:p>
-          <a:p>
-            <a:pPr marL="742950" lvl="1" indent="-285750" rtl="0" fontAlgn="base">
-              <a:spcBef>
-                <a:spcPts val="0"/>
-              </a:spcBef>
-              <a:spcAft>
-                <a:spcPts val="0"/>
-              </a:spcAft>
-              <a:buFont typeface="+mj-lt"/>
-              <a:buAutoNum type="arabicPeriod"/>
+              <a:buFont typeface="Wingdings" panose="05000000000000000000" pitchFamily="2" charset="2"/>
+              <a:buChar char="§"/>
             </a:pPr>
             <a:r>
               <a:rPr lang="en-US" sz="2000" dirty="0">

--- a/Project 4_Group_5_Stock_Analysis.pptx
+++ b/Project 4_Group_5_Stock_Analysis.pptx
@@ -6094,7 +6094,9 @@
             </a:endParaRPr>
           </a:p>
           <a:p>
-            <a:pPr lvl="1"/>
+            <a:pPr marL="457200" lvl="1" indent="0">
+              <a:buNone/>
+            </a:pPr>
             <a:r>
               <a:rPr lang="en-US" sz="1800" u="sng" dirty="0">
                 <a:solidFill>
@@ -6200,8 +6202,8 @@
         </p:nvSpPr>
         <p:spPr>
           <a:xfrm>
-            <a:off x="605972" y="1230540"/>
-            <a:ext cx="10515600" cy="5355312"/>
+            <a:off x="605972" y="1047991"/>
+            <a:ext cx="10515600" cy="5632311"/>
           </a:xfrm>
           <a:prstGeom prst="rect">
             <a:avLst/>
@@ -6354,8 +6356,96 @@
                 <a:latin typeface="Arial" panose="020B0604020202020204" pitchFamily="34" charset="0"/>
                 <a:cs typeface="Arial" panose="020B0604020202020204" pitchFamily="34" charset="0"/>
               </a:rPr>
-              <a:t>Predicted closing prices subject to Root Mean Square Error (RMSE), Mean Absolute Percentage Error (MAPE) and Mean Bias Error (MBE). In other words, look for the lowest errors between models. We’re only using one model (neural network).</a:t>
-            </a:r>
+              <a:t>Predicted closing prices subject </a:t>
+            </a:r>
+            <a:r>
+              <a:rPr lang="en-US" sz="2000" dirty="0">
+                <a:solidFill>
+                  <a:srgbClr val="000000"/>
+                </a:solidFill>
+                <a:latin typeface="Arial" panose="020B0604020202020204" pitchFamily="34" charset="0"/>
+                <a:cs typeface="Arial" panose="020B0604020202020204" pitchFamily="34" charset="0"/>
+              </a:rPr>
+              <a:t>for the lowest errors between models:</a:t>
+            </a:r>
+            <a:r>
+              <a:rPr lang="en-US" sz="2000" b="0" i="0" u="none" strike="noStrike" dirty="0">
+                <a:solidFill>
+                  <a:srgbClr val="000000"/>
+                </a:solidFill>
+                <a:effectLst/>
+                <a:latin typeface="Arial" panose="020B0604020202020204" pitchFamily="34" charset="0"/>
+                <a:cs typeface="Arial" panose="020B0604020202020204" pitchFamily="34" charset="0"/>
+              </a:rPr>
+              <a:t> </a:t>
+            </a:r>
+          </a:p>
+          <a:p>
+            <a:pPr lvl="4" fontAlgn="base">
+              <a:spcBef>
+                <a:spcPts val="0"/>
+              </a:spcBef>
+              <a:buFont typeface="Wingdings" panose="05000000000000000000" pitchFamily="2" charset="2"/>
+              <a:buChar char="§"/>
+            </a:pPr>
+            <a:r>
+              <a:rPr lang="en-US" sz="2000" b="0" i="0" u="none" strike="noStrike" dirty="0">
+                <a:solidFill>
+                  <a:srgbClr val="000000"/>
+                </a:solidFill>
+                <a:effectLst/>
+                <a:latin typeface="Arial" panose="020B0604020202020204" pitchFamily="34" charset="0"/>
+                <a:cs typeface="Arial" panose="020B0604020202020204" pitchFamily="34" charset="0"/>
+              </a:rPr>
+              <a:t>Root Mean Square Error (RMSE), </a:t>
+            </a:r>
+          </a:p>
+          <a:p>
+            <a:pPr lvl="4" fontAlgn="base">
+              <a:spcBef>
+                <a:spcPts val="0"/>
+              </a:spcBef>
+              <a:buFont typeface="Wingdings" panose="05000000000000000000" pitchFamily="2" charset="2"/>
+              <a:buChar char="§"/>
+            </a:pPr>
+            <a:r>
+              <a:rPr lang="en-US" sz="2000" b="0" i="0" u="none" strike="noStrike" dirty="0">
+                <a:solidFill>
+                  <a:srgbClr val="000000"/>
+                </a:solidFill>
+                <a:effectLst/>
+                <a:latin typeface="Arial" panose="020B0604020202020204" pitchFamily="34" charset="0"/>
+                <a:cs typeface="Arial" panose="020B0604020202020204" pitchFamily="34" charset="0"/>
+              </a:rPr>
+              <a:t>Mean Absolute Percentage Error (MAPE) and </a:t>
+            </a:r>
+          </a:p>
+          <a:p>
+            <a:pPr lvl="4" fontAlgn="base">
+              <a:spcBef>
+                <a:spcPts val="0"/>
+              </a:spcBef>
+              <a:buFont typeface="Wingdings" panose="05000000000000000000" pitchFamily="2" charset="2"/>
+              <a:buChar char="§"/>
+            </a:pPr>
+            <a:r>
+              <a:rPr lang="en-US" sz="2000" b="0" i="0" u="none" strike="noStrike" dirty="0">
+                <a:solidFill>
+                  <a:srgbClr val="000000"/>
+                </a:solidFill>
+                <a:effectLst/>
+                <a:latin typeface="Arial" panose="020B0604020202020204" pitchFamily="34" charset="0"/>
+                <a:cs typeface="Arial" panose="020B0604020202020204" pitchFamily="34" charset="0"/>
+              </a:rPr>
+              <a:t>Mean Bias Error (MBE). </a:t>
+            </a:r>
+            <a:endParaRPr lang="en-US" sz="2000" dirty="0">
+              <a:solidFill>
+                <a:srgbClr val="000000"/>
+              </a:solidFill>
+              <a:latin typeface="Arial" panose="020B0604020202020204" pitchFamily="34" charset="0"/>
+              <a:cs typeface="Arial" panose="020B0604020202020204" pitchFamily="34" charset="0"/>
+            </a:endParaRPr>
           </a:p>
           <a:p>
             <a:pPr lvl="2" rtl="0" fontAlgn="base">
@@ -6377,6 +6467,29 @@
                 <a:latin typeface="Arial" panose="020B0604020202020204" pitchFamily="34" charset="0"/>
                 <a:cs typeface="Arial" panose="020B0604020202020204" pitchFamily="34" charset="0"/>
               </a:rPr>
+              <a:t>We’re only using one model (neural network).</a:t>
+            </a:r>
+          </a:p>
+          <a:p>
+            <a:pPr lvl="2" rtl="0" fontAlgn="base">
+              <a:spcBef>
+                <a:spcPts val="0"/>
+              </a:spcBef>
+              <a:spcAft>
+                <a:spcPts val="0"/>
+              </a:spcAft>
+              <a:buFont typeface="Wingdings" panose="05000000000000000000" pitchFamily="2" charset="2"/>
+              <a:buChar char="§"/>
+            </a:pPr>
+            <a:r>
+              <a:rPr lang="en-US" b="0" i="0" u="none" strike="noStrike" dirty="0">
+                <a:solidFill>
+                  <a:srgbClr val="000000"/>
+                </a:solidFill>
+                <a:effectLst/>
+                <a:latin typeface="Arial" panose="020B0604020202020204" pitchFamily="34" charset="0"/>
+                <a:cs typeface="Arial" panose="020B0604020202020204" pitchFamily="34" charset="0"/>
+              </a:rPr>
               <a:t>Output layer should give the predicted closing price of the stock.</a:t>
             </a:r>
           </a:p>
@@ -6400,7 +6513,7 @@
                 <a:latin typeface="Arial" panose="020B0604020202020204" pitchFamily="34" charset="0"/>
                 <a:cs typeface="Arial" panose="020B0604020202020204" pitchFamily="34" charset="0"/>
               </a:rPr>
-              <a:t>Classify as Buy, Sell, and Keep?</a:t>
+              <a:t>Classify as Buy, Sell, and Keep</a:t>
             </a:r>
           </a:p>
           <a:p>
@@ -6420,7 +6533,7 @@
                 <a:latin typeface="Arial" panose="020B0604020202020204" pitchFamily="34" charset="0"/>
                 <a:cs typeface="Arial" panose="020B0604020202020204" pitchFamily="34" charset="0"/>
               </a:rPr>
-              <a:t>Update with new data?</a:t>
+              <a:t>Update with new data</a:t>
             </a:r>
           </a:p>
           <a:p>
